--- a/Illustrations/illustrations.pptx
+++ b/Illustrations/illustrations.pptx
@@ -3974,8 +3974,8 @@
           </p:nvCxnSpPr>
           <p:spPr>
             <a:xfrm>
-              <a:off x="4911365" y="5279071"/>
-              <a:ext cx="2168626" cy="17482"/>
+              <a:off x="4911365" y="5269656"/>
+              <a:ext cx="2168626" cy="0"/>
             </a:xfrm>
             <a:prstGeom prst="straightConnector1">
               <a:avLst/>
@@ -17276,7 +17276,7 @@
           <p:spPr>
             <a:xfrm>
               <a:off x="4911365" y="4756950"/>
-              <a:ext cx="2168626" cy="11820"/>
+              <a:ext cx="2168626" cy="12994"/>
             </a:xfrm>
             <a:prstGeom prst="straightConnector1">
               <a:avLst/>
@@ -17683,8 +17683,8 @@
           </p:nvCxnSpPr>
           <p:spPr>
             <a:xfrm>
-              <a:off x="4911365" y="5279071"/>
-              <a:ext cx="2168626" cy="17482"/>
+              <a:off x="4911365" y="5304953"/>
+              <a:ext cx="2168626" cy="0"/>
             </a:xfrm>
             <a:prstGeom prst="straightConnector1">
               <a:avLst/>
@@ -19334,7 +19334,6 @@
               <a:rPr lang="sv-SE" sz="1400" b="1" dirty="0"/>
               <a:t>Thread3</a:t>
             </a:r>
-            <a:endParaRPr lang="sv-SE" sz="1400" b="1" dirty="0"/>
           </a:p>
         </p:txBody>
       </p:sp>
@@ -19929,7 +19928,6 @@
               <a:rPr lang="sv-SE" sz="1400" b="1" dirty="0"/>
               <a:t>Thread3</a:t>
             </a:r>
-            <a:endParaRPr lang="sv-SE" sz="1400" b="1" dirty="0"/>
           </a:p>
         </p:txBody>
       </p:sp>
@@ -22154,11 +22152,6 @@
               </a:rPr>
               <a:t> Guardian</a:t>
             </a:r>
-            <a:endParaRPr lang="sv-SE" sz="1400" b="1" dirty="0">
-              <a:solidFill>
-                <a:schemeClr val="tx1"/>
-              </a:solidFill>
-            </a:endParaRPr>
           </a:p>
         </p:txBody>
       </p:sp>
@@ -22580,15 +22573,7 @@
                   <a:schemeClr val="tx1"/>
                 </a:solidFill>
               </a:rPr>
-              <a:t> </a:t>
-            </a:r>
-            <a:r>
-              <a:rPr lang="sv-SE" sz="1100" dirty="0">
-                <a:solidFill>
-                  <a:schemeClr val="tx1"/>
-                </a:solidFill>
-              </a:rPr>
-              <a:t>supervisor</a:t>
+              <a:t> supervisor</a:t>
             </a:r>
             <a:br>
               <a:rPr lang="sv-SE" sz="1100" dirty="0">
@@ -22621,11 +22606,6 @@
               </a:rPr>
               <a:t>”</a:t>
             </a:r>
-            <a:endParaRPr lang="sv-SE" sz="1400" b="1" dirty="0">
-              <a:solidFill>
-                <a:schemeClr val="tx1"/>
-              </a:solidFill>
-            </a:endParaRPr>
           </a:p>
         </p:txBody>
       </p:sp>
@@ -22725,11 +22705,6 @@
               </a:rPr>
               <a:t>”</a:t>
             </a:r>
-            <a:endParaRPr lang="sv-SE" sz="1400" b="1" dirty="0">
-              <a:solidFill>
-                <a:schemeClr val="tx1"/>
-              </a:solidFill>
-            </a:endParaRPr>
           </a:p>
         </p:txBody>
       </p:sp>
@@ -22821,11 +22796,6 @@
               </a:rPr>
               <a:t>”</a:t>
             </a:r>
-            <a:endParaRPr lang="sv-SE" sz="1400" b="1" dirty="0">
-              <a:solidFill>
-                <a:schemeClr val="tx1"/>
-              </a:solidFill>
-            </a:endParaRPr>
           </a:p>
         </p:txBody>
       </p:sp>
@@ -24564,7 +24534,6 @@
               <a:rPr lang="sv-SE" sz="1400" b="1" dirty="0"/>
               <a:t> Guardian</a:t>
             </a:r>
-            <a:endParaRPr lang="sv-SE" sz="1400" b="1" dirty="0"/>
           </a:p>
         </p:txBody>
       </p:sp>
@@ -24898,11 +24867,7 @@
             </a:r>
             <a:r>
               <a:rPr lang="sv-SE" sz="1100" dirty="0"/>
-              <a:t> </a:t>
-            </a:r>
-            <a:r>
-              <a:rPr lang="sv-SE" sz="1100" dirty="0"/>
-              <a:t>supervisor</a:t>
+              <a:t> supervisor</a:t>
             </a:r>
             <a:br>
               <a:rPr lang="sv-SE" sz="1100" dirty="0"/>
@@ -24919,7 +24884,6 @@
               <a:rPr lang="sv-SE" sz="1400" b="1" dirty="0"/>
               <a:t>”</a:t>
             </a:r>
-            <a:endParaRPr lang="sv-SE" sz="1400" b="1" dirty="0"/>
           </a:p>
         </p:txBody>
       </p:sp>
@@ -24991,7 +24955,6 @@
               <a:rPr lang="sv-SE" sz="1400" b="1" dirty="0"/>
               <a:t>”</a:t>
             </a:r>
-            <a:endParaRPr lang="sv-SE" sz="1400" b="1" dirty="0"/>
           </a:p>
         </p:txBody>
       </p:sp>
@@ -25059,7 +25022,6 @@
               <a:rPr lang="sv-SE" sz="1400" b="1" dirty="0"/>
               <a:t>”</a:t>
             </a:r>
-            <a:endParaRPr lang="sv-SE" sz="1400" b="1" dirty="0"/>
           </a:p>
         </p:txBody>
       </p:sp>
@@ -26996,7 +26958,7 @@
         </p:nvSpPr>
         <p:spPr>
           <a:xfrm>
-            <a:off x="1374781" y="1695266"/>
+            <a:off x="1380757" y="1695266"/>
             <a:ext cx="1877270" cy="3051984"/>
           </a:xfrm>
           <a:prstGeom prst="roundRect">
@@ -28714,7 +28676,7 @@
         </p:nvSpPr>
         <p:spPr>
           <a:xfrm>
-            <a:off x="1374781" y="1695266"/>
+            <a:off x="1380757" y="1695266"/>
             <a:ext cx="1877270" cy="3051984"/>
           </a:xfrm>
           <a:prstGeom prst="roundRect">
